--- a/Data Science/DS-Day-07 R.pptx
+++ b/Data Science/DS-Day-07 R.pptx
@@ -202,7 +202,7 @@
           <a:p>
             <a:fld id="{22783AA6-C1EF-448D-A48A-EF30DCBEFCCC}" type="datetimeFigureOut">
               <a:rPr lang="en-US" smtClean="0"/>
-              <a:t>3/30/2018</a:t>
+              <a:t>4/13/2018</a:t>
             </a:fld>
             <a:endParaRPr lang="en-US"/>
           </a:p>
@@ -1224,7 +1224,7 @@
           <a:p>
             <a:fld id="{C14F4D0B-68E4-4C14-BD4D-319F9BD213A3}" type="datetimeFigureOut">
               <a:rPr lang="ru-RU" smtClean="0"/>
-              <a:t>30.03.2018</a:t>
+              <a:t>13.04.2018</a:t>
             </a:fld>
             <a:endParaRPr lang="ru-RU"/>
           </a:p>
@@ -1394,7 +1394,7 @@
           <a:p>
             <a:fld id="{C14F4D0B-68E4-4C14-BD4D-319F9BD213A3}" type="datetimeFigureOut">
               <a:rPr lang="ru-RU" smtClean="0"/>
-              <a:t>30.03.2018</a:t>
+              <a:t>13.04.2018</a:t>
             </a:fld>
             <a:endParaRPr lang="ru-RU"/>
           </a:p>
@@ -1574,7 +1574,7 @@
           <a:p>
             <a:fld id="{C14F4D0B-68E4-4C14-BD4D-319F9BD213A3}" type="datetimeFigureOut">
               <a:rPr lang="ru-RU" smtClean="0"/>
-              <a:t>30.03.2018</a:t>
+              <a:t>13.04.2018</a:t>
             </a:fld>
             <a:endParaRPr lang="ru-RU"/>
           </a:p>
@@ -1744,7 +1744,7 @@
           <a:p>
             <a:fld id="{C14F4D0B-68E4-4C14-BD4D-319F9BD213A3}" type="datetimeFigureOut">
               <a:rPr lang="ru-RU" smtClean="0"/>
-              <a:t>30.03.2018</a:t>
+              <a:t>13.04.2018</a:t>
             </a:fld>
             <a:endParaRPr lang="ru-RU"/>
           </a:p>
@@ -1995,7 +1995,7 @@
           <a:p>
             <a:fld id="{C14F4D0B-68E4-4C14-BD4D-319F9BD213A3}" type="datetimeFigureOut">
               <a:rPr lang="ru-RU" smtClean="0"/>
-              <a:t>30.03.2018</a:t>
+              <a:t>13.04.2018</a:t>
             </a:fld>
             <a:endParaRPr lang="ru-RU"/>
           </a:p>
@@ -2227,7 +2227,7 @@
           <a:p>
             <a:fld id="{C14F4D0B-68E4-4C14-BD4D-319F9BD213A3}" type="datetimeFigureOut">
               <a:rPr lang="ru-RU" smtClean="0"/>
-              <a:t>30.03.2018</a:t>
+              <a:t>13.04.2018</a:t>
             </a:fld>
             <a:endParaRPr lang="ru-RU"/>
           </a:p>
@@ -2574,7 +2574,7 @@
           <a:p>
             <a:fld id="{C14F4D0B-68E4-4C14-BD4D-319F9BD213A3}" type="datetimeFigureOut">
               <a:rPr lang="ru-RU" smtClean="0"/>
-              <a:t>30.03.2018</a:t>
+              <a:t>13.04.2018</a:t>
             </a:fld>
             <a:endParaRPr lang="ru-RU"/>
           </a:p>
@@ -2692,7 +2692,7 @@
           <a:p>
             <a:fld id="{C14F4D0B-68E4-4C14-BD4D-319F9BD213A3}" type="datetimeFigureOut">
               <a:rPr lang="ru-RU" smtClean="0"/>
-              <a:t>30.03.2018</a:t>
+              <a:t>13.04.2018</a:t>
             </a:fld>
             <a:endParaRPr lang="ru-RU"/>
           </a:p>
@@ -2810,7 +2810,7 @@
           <a:p>
             <a:fld id="{C14F4D0B-68E4-4C14-BD4D-319F9BD213A3}" type="datetimeFigureOut">
               <a:rPr lang="ru-RU" smtClean="0"/>
-              <a:t>30.03.2018</a:t>
+              <a:t>13.04.2018</a:t>
             </a:fld>
             <a:endParaRPr lang="ru-RU"/>
           </a:p>
@@ -3094,7 +3094,7 @@
           <a:p>
             <a:fld id="{C14F4D0B-68E4-4C14-BD4D-319F9BD213A3}" type="datetimeFigureOut">
               <a:rPr lang="ru-RU" smtClean="0"/>
-              <a:t>30.03.2018</a:t>
+              <a:t>13.04.2018</a:t>
             </a:fld>
             <a:endParaRPr lang="ru-RU"/>
           </a:p>
@@ -3358,7 +3358,7 @@
           <a:p>
             <a:fld id="{C14F4D0B-68E4-4C14-BD4D-319F9BD213A3}" type="datetimeFigureOut">
               <a:rPr lang="ru-RU" smtClean="0"/>
-              <a:t>30.03.2018</a:t>
+              <a:t>13.04.2018</a:t>
             </a:fld>
             <a:endParaRPr lang="ru-RU"/>
           </a:p>
@@ -3572,7 +3572,7 @@
           <a:p>
             <a:fld id="{C14F4D0B-68E4-4C14-BD4D-319F9BD213A3}" type="datetimeFigureOut">
               <a:rPr lang="ru-RU" smtClean="0"/>
-              <a:t>30.03.2018</a:t>
+              <a:t>13.04.2018</a:t>
             </a:fld>
             <a:endParaRPr lang="ru-RU"/>
           </a:p>
@@ -4156,11 +4156,7 @@
           <a:p>
             <a:r>
               <a:rPr lang="ru-RU" sz="2400" b="1" dirty="0" smtClean="0"/>
-              <a:t>Метод </a:t>
-            </a:r>
-            <a:r>
-              <a:rPr lang="ru-RU" sz="2400" b="1" dirty="0" smtClean="0"/>
-              <a:t>к-средних</a:t>
+              <a:t>Метод к-средних</a:t>
             </a:r>
           </a:p>
           <a:p>
@@ -4600,7 +4596,6 @@
               <a:rPr lang="en-US" sz="2400" dirty="0" smtClean="0"/>
               <a:t>|, &amp;</a:t>
             </a:r>
-            <a:endParaRPr lang="en-US" sz="2400" dirty="0" smtClean="0"/>
           </a:p>
           <a:p>
             <a:r>
@@ -9309,13 +9304,19 @@
               <a:rPr lang="en-US" sz="2400" dirty="0">
                 <a:hlinkClick r:id="rId3"/>
               </a:rPr>
-              <a:t>http://</a:t>
-            </a:r>
-            <a:r>
-              <a:rPr lang="en-US" sz="2400" dirty="0" smtClean="0">
+              <a:t>http</a:t>
+            </a:r>
+            <a:r>
+              <a:rPr lang="en-US" sz="2400">
                 <a:hlinkClick r:id="rId3"/>
               </a:rPr>
-              <a:t>www.google.org/flutrends/about/data/flu/ru/data.txt</a:t>
+              <a:t>://</a:t>
+            </a:r>
+            <a:r>
+              <a:rPr lang="en-US" sz="2400" smtClean="0">
+                <a:hlinkClick r:id="rId3"/>
+              </a:rPr>
+              <a:t>www.google.org/flutrends/about/data/flu/data.txt</a:t>
             </a:r>
             <a:r>
               <a:rPr lang="ru-RU" sz="2400" dirty="0" smtClean="0"/>
